--- a/docs/diagrams/LogicComponentSequenceDiagram.pptx
+++ b/docs/diagrams/LogicComponentSequenceDiagram.pptx
@@ -10,7 +10,7 @@
   <p:sldIdLst>
     <p:sldId id="267" r:id="rId2"/>
   </p:sldIdLst>
-  <p:sldSz cx="9144000" cy="6858000" type="screen4x3"/>
+  <p:sldSz cx="12192000" cy="6858000"/>
   <p:notesSz cx="6858000" cy="9144000"/>
   <p:defaultTextStyle>
     <a:defPPr>
@@ -110,12 +110,12 @@
   <p:extLst>
     <p:ext uri="{EFAFB233-063F-42B5-8137-9DF3F51BA10A}">
       <p15:sldGuideLst xmlns:p15="http://schemas.microsoft.com/office/powerpoint/2012/main">
-        <p15:guide id="1" orient="horz" pos="1488">
+        <p15:guide id="1" orient="horz" pos="1488" userDrawn="1">
           <p15:clr>
             <a:srgbClr val="A4A3A4"/>
           </p15:clr>
         </p15:guide>
-        <p15:guide id="2" pos="2880">
+        <p15:guide id="2" pos="3840" userDrawn="1">
           <p15:clr>
             <a:srgbClr val="A4A3A4"/>
           </p15:clr>
@@ -124,10 +124,6 @@
     </p:ext>
   </p:extLst>
 </p:presentation>
-</file>
-
-<file path=ppt/revisionInfo.xml><?xml version="1.0" encoding="utf-8"?>
-<p1510:revInfo xmlns:a="http://schemas.openxmlformats.org/drawingml/2006/main" xmlns:r="http://schemas.openxmlformats.org/officeDocument/2006/relationships" xmlns:p1510="http://schemas.microsoft.com/office/powerpoint/2015/10/main"/>
 </file>
 
 <file path=ppt/notesMasters/notesMaster1.xml><?xml version="1.0" encoding="utf-8"?>
@@ -212,7 +208,7 @@
           <a:p>
             <a:fld id="{F5CC4B3F-88C1-4FFA-B1B6-F41C21DC6924}" type="datetimeFigureOut">
               <a:rPr lang="en-US" smtClean="0"/>
-              <a:t>7/11/2017</a:t>
+              <a:t>3/6/2018</a:t>
             </a:fld>
             <a:endParaRPr lang="en-US"/>
           </a:p>
@@ -230,8 +226,8 @@
         </p:nvSpPr>
         <p:spPr>
           <a:xfrm>
-            <a:off x="1143000" y="685800"/>
-            <a:ext cx="4572000" cy="3429000"/>
+            <a:off x="381000" y="685800"/>
+            <a:ext cx="6096000" cy="3429000"/>
           </a:xfrm>
           <a:prstGeom prst="rect">
             <a:avLst/>
@@ -508,8 +504,8 @@
         </p:nvSpPr>
         <p:spPr>
           <a:xfrm>
-            <a:off x="685800" y="2130425"/>
-            <a:ext cx="7772400" cy="1470025"/>
+            <a:off x="914400" y="2130426"/>
+            <a:ext cx="10363200" cy="1470025"/>
           </a:xfrm>
         </p:spPr>
         <p:txBody>
@@ -535,8 +531,8 @@
         </p:nvSpPr>
         <p:spPr>
           <a:xfrm>
-            <a:off x="1371600" y="3886200"/>
-            <a:ext cx="6400800" cy="1752600"/>
+            <a:off x="1828800" y="3886200"/>
+            <a:ext cx="8534400" cy="1752600"/>
           </a:xfrm>
         </p:spPr>
         <p:txBody>
@@ -658,7 +654,7 @@
           <a:p>
             <a:fld id="{78C97017-6FC3-485B-9764-EAC9E56C1D49}" type="datetimeFigureOut">
               <a:rPr lang="en-US" smtClean="0"/>
-              <a:t>7/11/2017</a:t>
+              <a:t>3/6/2018</a:t>
             </a:fld>
             <a:endParaRPr lang="en-US"/>
           </a:p>
@@ -826,7 +822,7 @@
           <a:p>
             <a:fld id="{78C97017-6FC3-485B-9764-EAC9E56C1D49}" type="datetimeFigureOut">
               <a:rPr lang="en-US" smtClean="0"/>
-              <a:t>7/11/2017</a:t>
+              <a:t>3/6/2018</a:t>
             </a:fld>
             <a:endParaRPr lang="en-US"/>
           </a:p>
@@ -916,8 +912,8 @@
         </p:nvSpPr>
         <p:spPr>
           <a:xfrm>
-            <a:off x="6629400" y="274638"/>
-            <a:ext cx="2057400" cy="5851525"/>
+            <a:off x="8839200" y="274639"/>
+            <a:ext cx="2743200" cy="5851525"/>
           </a:xfrm>
         </p:spPr>
         <p:txBody>
@@ -943,8 +939,8 @@
         </p:nvSpPr>
         <p:spPr>
           <a:xfrm>
-            <a:off x="457200" y="274638"/>
-            <a:ext cx="6019800" cy="5851525"/>
+            <a:off x="609600" y="274639"/>
+            <a:ext cx="8026400" cy="5851525"/>
           </a:xfrm>
         </p:spPr>
         <p:txBody>
@@ -1004,7 +1000,7 @@
           <a:p>
             <a:fld id="{78C97017-6FC3-485B-9764-EAC9E56C1D49}" type="datetimeFigureOut">
               <a:rPr lang="en-US" smtClean="0"/>
-              <a:t>7/11/2017</a:t>
+              <a:t>3/6/2018</a:t>
             </a:fld>
             <a:endParaRPr lang="en-US"/>
           </a:p>
@@ -1172,7 +1168,7 @@
           <a:p>
             <a:fld id="{78C97017-6FC3-485B-9764-EAC9E56C1D49}" type="datetimeFigureOut">
               <a:rPr lang="en-US" smtClean="0"/>
-              <a:t>7/11/2017</a:t>
+              <a:t>3/6/2018</a:t>
             </a:fld>
             <a:endParaRPr lang="en-US"/>
           </a:p>
@@ -1262,8 +1258,8 @@
         </p:nvSpPr>
         <p:spPr>
           <a:xfrm>
-            <a:off x="722313" y="4406900"/>
-            <a:ext cx="7772400" cy="1362075"/>
+            <a:off x="963084" y="4406901"/>
+            <a:ext cx="10363200" cy="1362075"/>
           </a:xfrm>
         </p:spPr>
         <p:txBody>
@@ -1293,8 +1289,8 @@
         </p:nvSpPr>
         <p:spPr>
           <a:xfrm>
-            <a:off x="722313" y="2906713"/>
-            <a:ext cx="7772400" cy="1500187"/>
+            <a:off x="963084" y="2906713"/>
+            <a:ext cx="10363200" cy="1500187"/>
           </a:xfrm>
         </p:spPr>
         <p:txBody>
@@ -1417,7 +1413,7 @@
           <a:p>
             <a:fld id="{78C97017-6FC3-485B-9764-EAC9E56C1D49}" type="datetimeFigureOut">
               <a:rPr lang="en-US" smtClean="0"/>
-              <a:t>7/11/2017</a:t>
+              <a:t>3/6/2018</a:t>
             </a:fld>
             <a:endParaRPr lang="en-US"/>
           </a:p>
@@ -1529,8 +1525,8 @@
         </p:nvSpPr>
         <p:spPr>
           <a:xfrm>
-            <a:off x="457200" y="1600200"/>
-            <a:ext cx="4038600" cy="4525963"/>
+            <a:off x="609600" y="1600201"/>
+            <a:ext cx="5384800" cy="4525963"/>
           </a:xfrm>
         </p:spPr>
         <p:txBody>
@@ -1613,8 +1609,8 @@
         </p:nvSpPr>
         <p:spPr>
           <a:xfrm>
-            <a:off x="4648200" y="1600200"/>
-            <a:ext cx="4038600" cy="4525963"/>
+            <a:off x="6197600" y="1600201"/>
+            <a:ext cx="5384800" cy="4525963"/>
           </a:xfrm>
         </p:spPr>
         <p:txBody>
@@ -1702,7 +1698,7 @@
           <a:p>
             <a:fld id="{78C97017-6FC3-485B-9764-EAC9E56C1D49}" type="datetimeFigureOut">
               <a:rPr lang="en-US" smtClean="0"/>
-              <a:t>7/11/2017</a:t>
+              <a:t>3/6/2018</a:t>
             </a:fld>
             <a:endParaRPr lang="en-US"/>
           </a:p>
@@ -1818,8 +1814,8 @@
         </p:nvSpPr>
         <p:spPr>
           <a:xfrm>
-            <a:off x="457200" y="1535113"/>
-            <a:ext cx="4040188" cy="639762"/>
+            <a:off x="609600" y="1535113"/>
+            <a:ext cx="5386917" cy="639762"/>
           </a:xfrm>
         </p:spPr>
         <p:txBody>
@@ -1883,8 +1879,8 @@
         </p:nvSpPr>
         <p:spPr>
           <a:xfrm>
-            <a:off x="457200" y="2174875"/>
-            <a:ext cx="4040188" cy="3951288"/>
+            <a:off x="609600" y="2174875"/>
+            <a:ext cx="5386917" cy="3951288"/>
           </a:xfrm>
         </p:spPr>
         <p:txBody>
@@ -1967,8 +1963,8 @@
         </p:nvSpPr>
         <p:spPr>
           <a:xfrm>
-            <a:off x="4645025" y="1535113"/>
-            <a:ext cx="4041775" cy="639762"/>
+            <a:off x="6193368" y="1535113"/>
+            <a:ext cx="5389033" cy="639762"/>
           </a:xfrm>
         </p:spPr>
         <p:txBody>
@@ -2032,8 +2028,8 @@
         </p:nvSpPr>
         <p:spPr>
           <a:xfrm>
-            <a:off x="4645025" y="2174875"/>
-            <a:ext cx="4041775" cy="3951288"/>
+            <a:off x="6193368" y="2174875"/>
+            <a:ext cx="5389033" cy="3951288"/>
           </a:xfrm>
         </p:spPr>
         <p:txBody>
@@ -2121,7 +2117,7 @@
           <a:p>
             <a:fld id="{78C97017-6FC3-485B-9764-EAC9E56C1D49}" type="datetimeFigureOut">
               <a:rPr lang="en-US" smtClean="0"/>
-              <a:t>7/11/2017</a:t>
+              <a:t>3/6/2018</a:t>
             </a:fld>
             <a:endParaRPr lang="en-US"/>
           </a:p>
@@ -2238,7 +2234,7 @@
           <a:p>
             <a:fld id="{78C97017-6FC3-485B-9764-EAC9E56C1D49}" type="datetimeFigureOut">
               <a:rPr lang="en-US" smtClean="0"/>
-              <a:t>7/11/2017</a:t>
+              <a:t>3/6/2018</a:t>
             </a:fld>
             <a:endParaRPr lang="en-US"/>
           </a:p>
@@ -2333,7 +2329,7 @@
           <a:p>
             <a:fld id="{78C97017-6FC3-485B-9764-EAC9E56C1D49}" type="datetimeFigureOut">
               <a:rPr lang="en-US" smtClean="0"/>
-              <a:t>7/11/2017</a:t>
+              <a:t>3/6/2018</a:t>
             </a:fld>
             <a:endParaRPr lang="en-US"/>
           </a:p>
@@ -2423,8 +2419,8 @@
         </p:nvSpPr>
         <p:spPr>
           <a:xfrm>
-            <a:off x="457200" y="273050"/>
-            <a:ext cx="3008313" cy="1162050"/>
+            <a:off x="609601" y="273050"/>
+            <a:ext cx="4011084" cy="1162050"/>
           </a:xfrm>
         </p:spPr>
         <p:txBody>
@@ -2454,8 +2450,8 @@
         </p:nvSpPr>
         <p:spPr>
           <a:xfrm>
-            <a:off x="3575050" y="273050"/>
-            <a:ext cx="5111750" cy="5853113"/>
+            <a:off x="4766733" y="273051"/>
+            <a:ext cx="6815667" cy="5853113"/>
           </a:xfrm>
         </p:spPr>
         <p:txBody>
@@ -2538,8 +2534,8 @@
         </p:nvSpPr>
         <p:spPr>
           <a:xfrm>
-            <a:off x="457200" y="1435100"/>
-            <a:ext cx="3008313" cy="4691063"/>
+            <a:off x="609601" y="1435101"/>
+            <a:ext cx="4011084" cy="4691063"/>
           </a:xfrm>
         </p:spPr>
         <p:txBody>
@@ -2608,7 +2604,7 @@
           <a:p>
             <a:fld id="{78C97017-6FC3-485B-9764-EAC9E56C1D49}" type="datetimeFigureOut">
               <a:rPr lang="en-US" smtClean="0"/>
-              <a:t>7/11/2017</a:t>
+              <a:t>3/6/2018</a:t>
             </a:fld>
             <a:endParaRPr lang="en-US"/>
           </a:p>
@@ -2698,8 +2694,8 @@
         </p:nvSpPr>
         <p:spPr>
           <a:xfrm>
-            <a:off x="1792288" y="4800600"/>
-            <a:ext cx="5486400" cy="566738"/>
+            <a:off x="2389717" y="4800600"/>
+            <a:ext cx="7315200" cy="566738"/>
           </a:xfrm>
         </p:spPr>
         <p:txBody>
@@ -2729,8 +2725,8 @@
         </p:nvSpPr>
         <p:spPr>
           <a:xfrm>
-            <a:off x="1792288" y="612775"/>
-            <a:ext cx="5486400" cy="4114800"/>
+            <a:off x="2389717" y="612775"/>
+            <a:ext cx="7315200" cy="4114800"/>
           </a:xfrm>
         </p:spPr>
         <p:txBody>
@@ -2790,8 +2786,8 @@
         </p:nvSpPr>
         <p:spPr>
           <a:xfrm>
-            <a:off x="1792288" y="5367338"/>
-            <a:ext cx="5486400" cy="804862"/>
+            <a:off x="2389717" y="5367338"/>
+            <a:ext cx="7315200" cy="804862"/>
           </a:xfrm>
         </p:spPr>
         <p:txBody>
@@ -2860,7 +2856,7 @@
           <a:p>
             <a:fld id="{78C97017-6FC3-485B-9764-EAC9E56C1D49}" type="datetimeFigureOut">
               <a:rPr lang="en-US" smtClean="0"/>
-              <a:t>7/11/2017</a:t>
+              <a:t>3/6/2018</a:t>
             </a:fld>
             <a:endParaRPr lang="en-US"/>
           </a:p>
@@ -2955,8 +2951,8 @@
         </p:nvSpPr>
         <p:spPr>
           <a:xfrm>
-            <a:off x="457200" y="274638"/>
-            <a:ext cx="8229600" cy="1143000"/>
+            <a:off x="609600" y="274638"/>
+            <a:ext cx="10972800" cy="1143000"/>
           </a:xfrm>
           <a:prstGeom prst="rect">
             <a:avLst/>
@@ -2987,8 +2983,8 @@
         </p:nvSpPr>
         <p:spPr>
           <a:xfrm>
-            <a:off x="457200" y="1600200"/>
-            <a:ext cx="8229600" cy="4525963"/>
+            <a:off x="609600" y="1600201"/>
+            <a:ext cx="10972800" cy="4525963"/>
           </a:xfrm>
           <a:prstGeom prst="rect">
             <a:avLst/>
@@ -3048,8 +3044,8 @@
         </p:nvSpPr>
         <p:spPr>
           <a:xfrm>
-            <a:off x="457200" y="6356350"/>
-            <a:ext cx="2133600" cy="365125"/>
+            <a:off x="609600" y="6356351"/>
+            <a:ext cx="2844800" cy="365125"/>
           </a:xfrm>
           <a:prstGeom prst="rect">
             <a:avLst/>
@@ -3071,7 +3067,7 @@
           <a:p>
             <a:fld id="{78C97017-6FC3-485B-9764-EAC9E56C1D49}" type="datetimeFigureOut">
               <a:rPr lang="en-US" smtClean="0"/>
-              <a:t>7/11/2017</a:t>
+              <a:t>3/6/2018</a:t>
             </a:fld>
             <a:endParaRPr lang="en-US"/>
           </a:p>
@@ -3089,8 +3085,8 @@
         </p:nvSpPr>
         <p:spPr>
           <a:xfrm>
-            <a:off x="3124200" y="6356350"/>
-            <a:ext cx="2895600" cy="365125"/>
+            <a:off x="4165600" y="6356351"/>
+            <a:ext cx="3860800" cy="365125"/>
           </a:xfrm>
           <a:prstGeom prst="rect">
             <a:avLst/>
@@ -3126,8 +3122,8 @@
         </p:nvSpPr>
         <p:spPr>
           <a:xfrm>
-            <a:off x="6553200" y="6356350"/>
-            <a:ext cx="2133600" cy="365125"/>
+            <a:off x="8737600" y="6356351"/>
+            <a:ext cx="2844800" cy="365125"/>
           </a:xfrm>
           <a:prstGeom prst="rect">
             <a:avLst/>
@@ -3454,7 +3450,7 @@
         </p:nvSpPr>
         <p:spPr>
           <a:xfrm>
-            <a:off x="685800" y="1981200"/>
+            <a:off x="2209800" y="1981200"/>
             <a:ext cx="7252956" cy="4000286"/>
           </a:xfrm>
           <a:prstGeom prst="roundRect">
@@ -3515,7 +3511,7 @@
         </p:nvSpPr>
         <p:spPr>
           <a:xfrm>
-            <a:off x="845045" y="2296546"/>
+            <a:off x="2369046" y="2296546"/>
             <a:ext cx="1455629" cy="346760"/>
           </a:xfrm>
           <a:prstGeom prst="rect">
@@ -3582,7 +3578,7 @@
         </p:nvCxnSpPr>
         <p:spPr>
           <a:xfrm>
-            <a:off x="1572859" y="2660217"/>
+            <a:off x="3096859" y="2660218"/>
             <a:ext cx="0" cy="2597583"/>
           </a:xfrm>
           <a:prstGeom prst="line">
@@ -3619,7 +3615,7 @@
         </p:nvSpPr>
         <p:spPr>
           <a:xfrm>
-            <a:off x="1500851" y="3010911"/>
+            <a:off x="3024851" y="3010912"/>
             <a:ext cx="152400" cy="2780287"/>
           </a:xfrm>
           <a:prstGeom prst="rect">
@@ -3666,7 +3662,7 @@
         </p:nvSpPr>
         <p:spPr>
           <a:xfrm>
-            <a:off x="2743200" y="2179309"/>
+            <a:off x="4267200" y="2179309"/>
             <a:ext cx="1219200" cy="467684"/>
           </a:xfrm>
           <a:prstGeom prst="rect">
@@ -3736,7 +3732,7 @@
         </p:nvCxnSpPr>
         <p:spPr>
           <a:xfrm>
-            <a:off x="3356599" y="2663904"/>
+            <a:off x="4880599" y="2663904"/>
             <a:ext cx="0" cy="1695374"/>
           </a:xfrm>
           <a:prstGeom prst="line">
@@ -3773,7 +3769,7 @@
         </p:nvSpPr>
         <p:spPr>
           <a:xfrm>
-            <a:off x="3284590" y="3122096"/>
+            <a:off x="4808591" y="3122097"/>
             <a:ext cx="174929" cy="1129459"/>
           </a:xfrm>
           <a:prstGeom prst="rect">
@@ -3808,11 +3804,7 @@
           <a:lstStyle/>
           <a:p>
             <a:pPr algn="ctr"/>
-            <a:endParaRPr lang="en-SG" sz="1400">
-              <a:solidFill>
-                <a:schemeClr val="dk1"/>
-              </a:solidFill>
-            </a:endParaRPr>
+            <a:endParaRPr lang="en-SG" sz="1400"/>
           </a:p>
         </p:txBody>
       </p:sp>
@@ -3824,7 +3816,7 @@
         </p:nvSpPr>
         <p:spPr>
           <a:xfrm>
-            <a:off x="6221565" y="3312740"/>
+            <a:off x="7745566" y="3312740"/>
             <a:ext cx="1093635" cy="461538"/>
           </a:xfrm>
           <a:prstGeom prst="rect">
@@ -3900,7 +3892,7 @@
         </p:nvCxnSpPr>
         <p:spPr>
           <a:xfrm>
-            <a:off x="6772574" y="3774278"/>
+            <a:off x="8296574" y="3774278"/>
             <a:ext cx="0" cy="1940722"/>
           </a:xfrm>
           <a:prstGeom prst="line">
@@ -3937,7 +3929,7 @@
         </p:nvSpPr>
         <p:spPr>
           <a:xfrm>
-            <a:off x="6696374" y="3774278"/>
+            <a:off x="8220374" y="3774279"/>
             <a:ext cx="152400" cy="276003"/>
           </a:xfrm>
           <a:prstGeom prst="rect">
@@ -3984,7 +3976,7 @@
         </p:nvCxnSpPr>
         <p:spPr>
           <a:xfrm>
-            <a:off x="381000" y="3014599"/>
+            <a:off x="1905001" y="3014599"/>
             <a:ext cx="1119851" cy="0"/>
           </a:xfrm>
           <a:prstGeom prst="straightConnector1">
@@ -4020,7 +4012,7 @@
         </p:nvCxnSpPr>
         <p:spPr>
           <a:xfrm flipV="1">
-            <a:off x="1653251" y="3122097"/>
+            <a:off x="3177251" y="3122098"/>
             <a:ext cx="1596514" cy="1"/>
           </a:xfrm>
           <a:prstGeom prst="straightConnector1">
@@ -4056,7 +4048,7 @@
         </p:nvSpPr>
         <p:spPr>
           <a:xfrm>
-            <a:off x="0" y="2743200"/>
+            <a:off x="1524000" y="2743200"/>
             <a:ext cx="1424846" cy="215444"/>
           </a:xfrm>
           <a:prstGeom prst="rect">
@@ -4090,7 +4082,7 @@
         </p:nvCxnSpPr>
         <p:spPr>
           <a:xfrm flipV="1">
-            <a:off x="5257218" y="3703214"/>
+            <a:off x="6781218" y="3703215"/>
             <a:ext cx="922392" cy="1"/>
           </a:xfrm>
           <a:prstGeom prst="straightConnector1">
@@ -4126,7 +4118,7 @@
         </p:nvSpPr>
         <p:spPr>
           <a:xfrm>
-            <a:off x="4257582" y="4251556"/>
+            <a:off x="5781583" y="4251556"/>
             <a:ext cx="855809" cy="215444"/>
           </a:xfrm>
           <a:prstGeom prst="rect">
@@ -4166,7 +4158,7 @@
         </p:nvCxnSpPr>
         <p:spPr>
           <a:xfrm>
-            <a:off x="5257800" y="4050281"/>
+            <a:off x="6781800" y="4050281"/>
             <a:ext cx="1492974" cy="0"/>
           </a:xfrm>
           <a:prstGeom prst="straightConnector1">
@@ -4204,7 +4196,7 @@
         </p:nvCxnSpPr>
         <p:spPr>
           <a:xfrm flipV="1">
-            <a:off x="1670186" y="4243231"/>
+            <a:off x="3194186" y="4243231"/>
             <a:ext cx="1596514" cy="5378"/>
           </a:xfrm>
           <a:prstGeom prst="straightConnector1">
@@ -4242,7 +4234,7 @@
         </p:nvCxnSpPr>
         <p:spPr>
           <a:xfrm>
-            <a:off x="304800" y="5791200"/>
+            <a:off x="1828801" y="5791200"/>
             <a:ext cx="1196051" cy="0"/>
           </a:xfrm>
           <a:prstGeom prst="straightConnector1">
@@ -4280,7 +4272,7 @@
         </p:nvSpPr>
         <p:spPr>
           <a:xfrm>
-            <a:off x="8265896" y="2362200"/>
+            <a:off x="9789896" y="2362200"/>
             <a:ext cx="1030504" cy="346760"/>
           </a:xfrm>
           <a:prstGeom prst="rect">
@@ -4345,7 +4337,7 @@
         </p:nvCxnSpPr>
         <p:spPr>
           <a:xfrm>
-            <a:off x="1653251" y="4495317"/>
+            <a:off x="3177252" y="4495317"/>
             <a:ext cx="5043123" cy="0"/>
           </a:xfrm>
           <a:prstGeom prst="straightConnector1">
@@ -4381,7 +4373,7 @@
         </p:nvSpPr>
         <p:spPr>
           <a:xfrm>
-            <a:off x="6687452" y="4467000"/>
+            <a:off x="8211452" y="4467000"/>
             <a:ext cx="161322" cy="1019400"/>
           </a:xfrm>
           <a:prstGeom prst="rect">
@@ -4428,7 +4420,7 @@
         </p:nvCxnSpPr>
         <p:spPr>
           <a:xfrm>
-            <a:off x="8781148" y="2700858"/>
+            <a:off x="10305148" y="2700858"/>
             <a:ext cx="0" cy="2830598"/>
           </a:xfrm>
           <a:prstGeom prst="line">
@@ -4468,7 +4460,7 @@
         </p:nvSpPr>
         <p:spPr>
           <a:xfrm>
-            <a:off x="8686800" y="4524597"/>
+            <a:off x="10210800" y="4524598"/>
             <a:ext cx="152400" cy="199803"/>
           </a:xfrm>
           <a:prstGeom prst="rect">
@@ -4509,11 +4501,7 @@
           <a:lstStyle/>
           <a:p>
             <a:pPr algn="ctr"/>
-            <a:endParaRPr lang="en-SG" sz="1400">
-              <a:solidFill>
-                <a:schemeClr val="dk1"/>
-              </a:solidFill>
-            </a:endParaRPr>
+            <a:endParaRPr lang="en-SG" sz="1400"/>
           </a:p>
         </p:txBody>
       </p:sp>
@@ -4525,7 +4513,7 @@
         </p:nvCxnSpPr>
         <p:spPr>
           <a:xfrm>
-            <a:off x="6850663" y="4524597"/>
+            <a:off x="8374664" y="4524597"/>
             <a:ext cx="1836137" cy="0"/>
           </a:xfrm>
           <a:prstGeom prst="straightConnector1">
@@ -4561,7 +4549,7 @@
         </p:nvCxnSpPr>
         <p:spPr>
           <a:xfrm flipV="1">
-            <a:off x="6848774" y="4714650"/>
+            <a:off x="8372774" y="4714650"/>
             <a:ext cx="1838026" cy="9750"/>
           </a:xfrm>
           <a:prstGeom prst="straightConnector1">
@@ -4602,7 +4590,7 @@
         </p:nvCxnSpPr>
         <p:spPr>
           <a:xfrm>
-            <a:off x="1653251" y="5486400"/>
+            <a:off x="3177252" y="5486400"/>
             <a:ext cx="5052349" cy="0"/>
           </a:xfrm>
           <a:prstGeom prst="straightConnector1">
@@ -4640,7 +4628,7 @@
         </p:nvSpPr>
         <p:spPr>
           <a:xfrm>
-            <a:off x="6984957" y="4267200"/>
+            <a:off x="8508957" y="4267200"/>
             <a:ext cx="1424846" cy="215444"/>
           </a:xfrm>
           <a:prstGeom prst="rect">
@@ -4671,7 +4659,7 @@
                   <a:srgbClr val="7030A0"/>
                 </a:solidFill>
               </a:rPr>
-              <a:t>deletePerson</a:t>
+              <a:t>deleteCinema</a:t>
             </a:r>
             <a:r>
               <a:rPr lang="en-US" dirty="0">
@@ -4679,7 +4667,7 @@
                   <a:srgbClr val="7030A0"/>
                 </a:solidFill>
               </a:rPr>
-              <a:t>(p)</a:t>
+              <a:t>(c)</a:t>
             </a:r>
           </a:p>
         </p:txBody>
@@ -4692,7 +4680,7 @@
         </p:nvSpPr>
         <p:spPr>
           <a:xfrm>
-            <a:off x="3847551" y="3657600"/>
+            <a:off x="5371552" y="3657600"/>
             <a:ext cx="767033" cy="184666"/>
           </a:xfrm>
           <a:prstGeom prst="rect">
@@ -4732,7 +4720,7 @@
         </p:nvSpPr>
         <p:spPr>
           <a:xfrm>
-            <a:off x="1742982" y="2850922"/>
+            <a:off x="3266982" y="2850922"/>
             <a:ext cx="1424846" cy="215444"/>
           </a:xfrm>
           <a:prstGeom prst="rect">
@@ -4772,7 +4760,7 @@
         </p:nvSpPr>
         <p:spPr>
           <a:xfrm>
-            <a:off x="4340137" y="5255323"/>
+            <a:off x="5864137" y="5255323"/>
             <a:ext cx="621216" cy="215444"/>
           </a:xfrm>
           <a:prstGeom prst="rect">
@@ -4812,7 +4800,7 @@
         </p:nvSpPr>
         <p:spPr>
           <a:xfrm>
-            <a:off x="599983" y="5538488"/>
+            <a:off x="2123983" y="5538488"/>
             <a:ext cx="762000" cy="215444"/>
           </a:xfrm>
           <a:prstGeom prst="rect">
@@ -4852,7 +4840,7 @@
         </p:nvSpPr>
         <p:spPr>
           <a:xfrm>
-            <a:off x="7020246" y="4777286"/>
+            <a:off x="8544246" y="4777286"/>
             <a:ext cx="1590354" cy="461538"/>
           </a:xfrm>
           <a:prstGeom prst="rect">
@@ -4919,7 +4907,7 @@
         </p:nvSpPr>
         <p:spPr>
           <a:xfrm>
-            <a:off x="7777323" y="5238824"/>
+            <a:off x="9301323" y="5238824"/>
             <a:ext cx="152400" cy="171376"/>
           </a:xfrm>
           <a:prstGeom prst="rect">
@@ -4966,7 +4954,7 @@
         </p:nvCxnSpPr>
         <p:spPr>
           <a:xfrm>
-            <a:off x="6858000" y="5410200"/>
+            <a:off x="8382000" y="5410200"/>
             <a:ext cx="966624" cy="0"/>
           </a:xfrm>
           <a:prstGeom prst="straightConnector1">
@@ -5004,7 +4992,7 @@
         </p:nvSpPr>
         <p:spPr>
           <a:xfrm>
-            <a:off x="2673845" y="4027787"/>
+            <a:off x="4197846" y="4027787"/>
             <a:ext cx="220343" cy="215444"/>
           </a:xfrm>
           <a:prstGeom prst="rect">
@@ -5044,7 +5032,7 @@
         </p:nvSpPr>
         <p:spPr>
           <a:xfrm>
-            <a:off x="4231981" y="2929839"/>
+            <a:off x="5755982" y="2929840"/>
             <a:ext cx="1778201" cy="432035"/>
           </a:xfrm>
           <a:prstGeom prst="rect">
@@ -5127,7 +5115,7 @@
         </p:nvCxnSpPr>
         <p:spPr>
           <a:xfrm>
-            <a:off x="3462591" y="3657600"/>
+            <a:off x="4986591" y="3657601"/>
             <a:ext cx="1597356" cy="1"/>
           </a:xfrm>
           <a:prstGeom prst="straightConnector1">
@@ -5161,7 +5149,7 @@
         </p:nvSpPr>
         <p:spPr>
           <a:xfrm>
-            <a:off x="5059947" y="3352800"/>
+            <a:off x="6583948" y="3352801"/>
             <a:ext cx="205843" cy="123165"/>
           </a:xfrm>
           <a:prstGeom prst="rect">
@@ -5210,7 +5198,7 @@
         </p:nvCxnSpPr>
         <p:spPr>
           <a:xfrm>
-            <a:off x="5162869" y="3352800"/>
+            <a:off x="6686869" y="3352800"/>
             <a:ext cx="0" cy="990600"/>
           </a:xfrm>
           <a:prstGeom prst="line">
@@ -5247,7 +5235,7 @@
         </p:nvSpPr>
         <p:spPr>
           <a:xfrm>
-            <a:off x="5059947" y="3657601"/>
+            <a:off x="6583948" y="3657601"/>
             <a:ext cx="205843" cy="533400"/>
           </a:xfrm>
           <a:prstGeom prst="rect">
@@ -5294,7 +5282,7 @@
         </p:nvCxnSpPr>
         <p:spPr>
           <a:xfrm>
-            <a:off x="3499382" y="4185073"/>
+            <a:off x="5023383" y="4185073"/>
             <a:ext cx="1667219" cy="0"/>
           </a:xfrm>
           <a:prstGeom prst="straightConnector1">
@@ -5332,7 +5320,7 @@
         </p:nvCxnSpPr>
         <p:spPr>
           <a:xfrm>
-            <a:off x="6858000" y="5029200"/>
+            <a:off x="8382000" y="5029200"/>
             <a:ext cx="162246" cy="0"/>
           </a:xfrm>
           <a:prstGeom prst="straightConnector1">
@@ -5366,7 +5354,7 @@
         </p:nvCxnSpPr>
         <p:spPr>
           <a:xfrm>
-            <a:off x="3412425" y="3173004"/>
+            <a:off x="4936425" y="3173005"/>
             <a:ext cx="819556" cy="1"/>
           </a:xfrm>
           <a:prstGeom prst="straightConnector1">
@@ -5402,7 +5390,7 @@
         </p:nvCxnSpPr>
         <p:spPr>
           <a:xfrm>
-            <a:off x="3459519" y="3475965"/>
+            <a:off x="4983519" y="3475965"/>
             <a:ext cx="1600428" cy="0"/>
           </a:xfrm>
           <a:prstGeom prst="straightConnector1">
@@ -5440,7 +5428,7 @@
         </p:nvSpPr>
         <p:spPr>
           <a:xfrm>
-            <a:off x="5033665" y="4199590"/>
+            <a:off x="6557665" y="4199590"/>
             <a:ext cx="258404" cy="261610"/>
           </a:xfrm>
           <a:prstGeom prst="rect">

--- a/docs/diagrams/LogicComponentSequenceDiagram.pptx
+++ b/docs/diagrams/LogicComponentSequenceDiagram.pptx
@@ -208,7 +208,7 @@
           <a:p>
             <a:fld id="{F5CC4B3F-88C1-4FFA-B1B6-F41C21DC6924}" type="datetimeFigureOut">
               <a:rPr lang="en-US" smtClean="0"/>
-              <a:t>3/6/2018</a:t>
+              <a:t>3/8/2018</a:t>
             </a:fld>
             <a:endParaRPr lang="en-US"/>
           </a:p>
@@ -654,7 +654,7 @@
           <a:p>
             <a:fld id="{78C97017-6FC3-485B-9764-EAC9E56C1D49}" type="datetimeFigureOut">
               <a:rPr lang="en-US" smtClean="0"/>
-              <a:t>3/6/2018</a:t>
+              <a:t>3/8/2018</a:t>
             </a:fld>
             <a:endParaRPr lang="en-US"/>
           </a:p>
@@ -822,7 +822,7 @@
           <a:p>
             <a:fld id="{78C97017-6FC3-485B-9764-EAC9E56C1D49}" type="datetimeFigureOut">
               <a:rPr lang="en-US" smtClean="0"/>
-              <a:t>3/6/2018</a:t>
+              <a:t>3/8/2018</a:t>
             </a:fld>
             <a:endParaRPr lang="en-US"/>
           </a:p>
@@ -1000,7 +1000,7 @@
           <a:p>
             <a:fld id="{78C97017-6FC3-485B-9764-EAC9E56C1D49}" type="datetimeFigureOut">
               <a:rPr lang="en-US" smtClean="0"/>
-              <a:t>3/6/2018</a:t>
+              <a:t>3/8/2018</a:t>
             </a:fld>
             <a:endParaRPr lang="en-US"/>
           </a:p>
@@ -1168,7 +1168,7 @@
           <a:p>
             <a:fld id="{78C97017-6FC3-485B-9764-EAC9E56C1D49}" type="datetimeFigureOut">
               <a:rPr lang="en-US" smtClean="0"/>
-              <a:t>3/6/2018</a:t>
+              <a:t>3/8/2018</a:t>
             </a:fld>
             <a:endParaRPr lang="en-US"/>
           </a:p>
@@ -1413,7 +1413,7 @@
           <a:p>
             <a:fld id="{78C97017-6FC3-485B-9764-EAC9E56C1D49}" type="datetimeFigureOut">
               <a:rPr lang="en-US" smtClean="0"/>
-              <a:t>3/6/2018</a:t>
+              <a:t>3/8/2018</a:t>
             </a:fld>
             <a:endParaRPr lang="en-US"/>
           </a:p>
@@ -1698,7 +1698,7 @@
           <a:p>
             <a:fld id="{78C97017-6FC3-485B-9764-EAC9E56C1D49}" type="datetimeFigureOut">
               <a:rPr lang="en-US" smtClean="0"/>
-              <a:t>3/6/2018</a:t>
+              <a:t>3/8/2018</a:t>
             </a:fld>
             <a:endParaRPr lang="en-US"/>
           </a:p>
@@ -2117,7 +2117,7 @@
           <a:p>
             <a:fld id="{78C97017-6FC3-485B-9764-EAC9E56C1D49}" type="datetimeFigureOut">
               <a:rPr lang="en-US" smtClean="0"/>
-              <a:t>3/6/2018</a:t>
+              <a:t>3/8/2018</a:t>
             </a:fld>
             <a:endParaRPr lang="en-US"/>
           </a:p>
@@ -2234,7 +2234,7 @@
           <a:p>
             <a:fld id="{78C97017-6FC3-485B-9764-EAC9E56C1D49}" type="datetimeFigureOut">
               <a:rPr lang="en-US" smtClean="0"/>
-              <a:t>3/6/2018</a:t>
+              <a:t>3/8/2018</a:t>
             </a:fld>
             <a:endParaRPr lang="en-US"/>
           </a:p>
@@ -2329,7 +2329,7 @@
           <a:p>
             <a:fld id="{78C97017-6FC3-485B-9764-EAC9E56C1D49}" type="datetimeFigureOut">
               <a:rPr lang="en-US" smtClean="0"/>
-              <a:t>3/6/2018</a:t>
+              <a:t>3/8/2018</a:t>
             </a:fld>
             <a:endParaRPr lang="en-US"/>
           </a:p>
@@ -2604,7 +2604,7 @@
           <a:p>
             <a:fld id="{78C97017-6FC3-485B-9764-EAC9E56C1D49}" type="datetimeFigureOut">
               <a:rPr lang="en-US" smtClean="0"/>
-              <a:t>3/6/2018</a:t>
+              <a:t>3/8/2018</a:t>
             </a:fld>
             <a:endParaRPr lang="en-US"/>
           </a:p>
@@ -2856,7 +2856,7 @@
           <a:p>
             <a:fld id="{78C97017-6FC3-485B-9764-EAC9E56C1D49}" type="datetimeFigureOut">
               <a:rPr lang="en-US" smtClean="0"/>
-              <a:t>3/6/2018</a:t>
+              <a:t>3/8/2018</a:t>
             </a:fld>
             <a:endParaRPr lang="en-US"/>
           </a:p>
@@ -3067,7 +3067,7 @@
           <a:p>
             <a:fld id="{78C97017-6FC3-485B-9764-EAC9E56C1D49}" type="datetimeFigureOut">
               <a:rPr lang="en-US" smtClean="0"/>
-              <a:t>3/6/2018</a:t>
+              <a:t>3/8/2018</a:t>
             </a:fld>
             <a:endParaRPr lang="en-US"/>
           </a:p>
@@ -3552,15 +3552,7 @@
                   <a:schemeClr val="bg1"/>
                 </a:solidFill>
               </a:rPr>
-              <a:t>:</a:t>
-            </a:r>
-            <a:r>
-              <a:rPr lang="en-US" sz="1600" dirty="0" err="1">
-                <a:solidFill>
-                  <a:schemeClr val="bg1"/>
-                </a:solidFill>
-              </a:rPr>
-              <a:t>LogicManager</a:t>
+              <a:t>:LogicManager</a:t>
             </a:r>
             <a:endParaRPr lang="en-SG" sz="1600" dirty="0">
               <a:solidFill>
@@ -3709,7 +3701,7 @@
           <a:p>
             <a:pPr algn="ctr"/>
             <a:r>
-              <a:rPr lang="en-US" sz="1600" dirty="0" err="1">
+              <a:rPr lang="en-US" sz="1600" dirty="0">
                 <a:solidFill>
                   <a:schemeClr val="bg1"/>
                 </a:solidFill>
@@ -4654,20 +4646,12 @@
           </a:lstStyle>
           <a:p>
             <a:r>
-              <a:rPr lang="en-US" dirty="0" err="1">
-                <a:solidFill>
-                  <a:srgbClr val="7030A0"/>
-                </a:solidFill>
-              </a:rPr>
-              <a:t>deleteCinema</a:t>
-            </a:r>
-            <a:r>
               <a:rPr lang="en-US" dirty="0">
                 <a:solidFill>
                   <a:srgbClr val="7030A0"/>
                 </a:solidFill>
               </a:rPr>
-              <a:t>(c)</a:t>
+              <a:t>deleteCinema(c)</a:t>
             </a:r>
           </a:p>
         </p:txBody>
@@ -4876,20 +4860,12 @@
           <a:p>
             <a:pPr algn="ctr"/>
             <a:r>
-              <a:rPr lang="en-US" sz="1600" dirty="0" err="1">
-                <a:solidFill>
-                  <a:schemeClr val="bg1"/>
-                </a:solidFill>
-              </a:rPr>
-              <a:t>result:Command</a:t>
-            </a:r>
-            <a:r>
               <a:rPr lang="en-US" sz="1600" dirty="0">
                 <a:solidFill>
                   <a:schemeClr val="bg1"/>
                 </a:solidFill>
               </a:rPr>
-              <a:t> Result</a:t>
+              <a:t>result:Command Result</a:t>
             </a:r>
             <a:endParaRPr lang="en-SG" sz="1600" dirty="0">
               <a:solidFill>
@@ -5073,21 +5049,8 @@
                   <a:schemeClr val="bg1"/>
                 </a:solidFill>
               </a:rPr>
-              <a:t>:</a:t>
-            </a:r>
-            <a:r>
-              <a:rPr lang="en-US" sz="1600" dirty="0" err="1">
-                <a:solidFill>
-                  <a:schemeClr val="bg1"/>
-                </a:solidFill>
-              </a:rPr>
-              <a:t>DeleteCommand</a:t>
-            </a:r>
-            <a:endParaRPr lang="en-US" sz="1600" dirty="0">
-              <a:solidFill>
-                <a:schemeClr val="bg1"/>
-              </a:solidFill>
-            </a:endParaRPr>
+              <a:t>:DeleteCommand</a:t>
+            </a:r>
           </a:p>
           <a:p>
             <a:pPr algn="ctr"/>

--- a/docs/diagrams/LogicComponentSequenceDiagram.pptx
+++ b/docs/diagrams/LogicComponentSequenceDiagram.pptx
@@ -175,7 +175,7 @@
             </a:lvl1pPr>
           </a:lstStyle>
           <a:p>
-            <a:endParaRPr lang="en-US"/>
+            <a:endParaRPr lang="en-US" dirty="0"/>
           </a:p>
         </p:txBody>
       </p:sp>
@@ -208,9 +208,9 @@
           <a:p>
             <a:fld id="{F5CC4B3F-88C1-4FFA-B1B6-F41C21DC6924}" type="datetimeFigureOut">
               <a:rPr lang="en-US" smtClean="0"/>
-              <a:t>3/8/2018</a:t>
+              <a:t>3/14/2018</a:t>
             </a:fld>
-            <a:endParaRPr lang="en-US"/>
+            <a:endParaRPr lang="en-US" dirty="0"/>
           </a:p>
         </p:txBody>
       </p:sp>
@@ -243,7 +243,7 @@
           <a:bodyPr vert="horz" lIns="91440" tIns="45720" rIns="91440" bIns="45720" rtlCol="0" anchor="ctr"/>
           <a:lstStyle/>
           <a:p>
-            <a:endParaRPr lang="en-US"/>
+            <a:endParaRPr lang="en-US" dirty="0"/>
           </a:p>
         </p:txBody>
       </p:sp>
@@ -333,7 +333,7 @@
             </a:lvl1pPr>
           </a:lstStyle>
           <a:p>
-            <a:endParaRPr lang="en-US"/>
+            <a:endParaRPr lang="en-US" dirty="0"/>
           </a:p>
         </p:txBody>
       </p:sp>
@@ -368,7 +368,7 @@
               <a:rPr lang="en-US" smtClean="0"/>
               <a:t>‹#›</a:t>
             </a:fld>
-            <a:endParaRPr lang="en-US"/>
+            <a:endParaRPr lang="en-US" dirty="0"/>
           </a:p>
         </p:txBody>
       </p:sp>
@@ -654,9 +654,9 @@
           <a:p>
             <a:fld id="{78C97017-6FC3-485B-9764-EAC9E56C1D49}" type="datetimeFigureOut">
               <a:rPr lang="en-US" smtClean="0"/>
-              <a:t>3/8/2018</a:t>
+              <a:t>3/14/2018</a:t>
             </a:fld>
-            <a:endParaRPr lang="en-US"/>
+            <a:endParaRPr lang="en-US" dirty="0"/>
           </a:p>
         </p:txBody>
       </p:sp>
@@ -675,7 +675,7 @@
           <a:bodyPr/>
           <a:lstStyle/>
           <a:p>
-            <a:endParaRPr lang="en-US"/>
+            <a:endParaRPr lang="en-US" dirty="0"/>
           </a:p>
         </p:txBody>
       </p:sp>
@@ -698,7 +698,7 @@
               <a:rPr lang="en-US" smtClean="0"/>
               <a:t>‹#›</a:t>
             </a:fld>
-            <a:endParaRPr lang="en-US"/>
+            <a:endParaRPr lang="en-US" dirty="0"/>
           </a:p>
         </p:txBody>
       </p:sp>
@@ -822,9 +822,9 @@
           <a:p>
             <a:fld id="{78C97017-6FC3-485B-9764-EAC9E56C1D49}" type="datetimeFigureOut">
               <a:rPr lang="en-US" smtClean="0"/>
-              <a:t>3/8/2018</a:t>
+              <a:t>3/14/2018</a:t>
             </a:fld>
-            <a:endParaRPr lang="en-US"/>
+            <a:endParaRPr lang="en-US" dirty="0"/>
           </a:p>
         </p:txBody>
       </p:sp>
@@ -843,7 +843,7 @@
           <a:bodyPr/>
           <a:lstStyle/>
           <a:p>
-            <a:endParaRPr lang="en-US"/>
+            <a:endParaRPr lang="en-US" dirty="0"/>
           </a:p>
         </p:txBody>
       </p:sp>
@@ -866,7 +866,7 @@
               <a:rPr lang="en-US" smtClean="0"/>
               <a:t>‹#›</a:t>
             </a:fld>
-            <a:endParaRPr lang="en-US"/>
+            <a:endParaRPr lang="en-US" dirty="0"/>
           </a:p>
         </p:txBody>
       </p:sp>
@@ -1000,9 +1000,9 @@
           <a:p>
             <a:fld id="{78C97017-6FC3-485B-9764-EAC9E56C1D49}" type="datetimeFigureOut">
               <a:rPr lang="en-US" smtClean="0"/>
-              <a:t>3/8/2018</a:t>
+              <a:t>3/14/2018</a:t>
             </a:fld>
-            <a:endParaRPr lang="en-US"/>
+            <a:endParaRPr lang="en-US" dirty="0"/>
           </a:p>
         </p:txBody>
       </p:sp>
@@ -1021,7 +1021,7 @@
           <a:bodyPr/>
           <a:lstStyle/>
           <a:p>
-            <a:endParaRPr lang="en-US"/>
+            <a:endParaRPr lang="en-US" dirty="0"/>
           </a:p>
         </p:txBody>
       </p:sp>
@@ -1044,7 +1044,7 @@
               <a:rPr lang="en-US" smtClean="0"/>
               <a:t>‹#›</a:t>
             </a:fld>
-            <a:endParaRPr lang="en-US"/>
+            <a:endParaRPr lang="en-US" dirty="0"/>
           </a:p>
         </p:txBody>
       </p:sp>
@@ -1168,9 +1168,9 @@
           <a:p>
             <a:fld id="{78C97017-6FC3-485B-9764-EAC9E56C1D49}" type="datetimeFigureOut">
               <a:rPr lang="en-US" smtClean="0"/>
-              <a:t>3/8/2018</a:t>
+              <a:t>3/14/2018</a:t>
             </a:fld>
-            <a:endParaRPr lang="en-US"/>
+            <a:endParaRPr lang="en-US" dirty="0"/>
           </a:p>
         </p:txBody>
       </p:sp>
@@ -1189,7 +1189,7 @@
           <a:bodyPr/>
           <a:lstStyle/>
           <a:p>
-            <a:endParaRPr lang="en-US"/>
+            <a:endParaRPr lang="en-US" dirty="0"/>
           </a:p>
         </p:txBody>
       </p:sp>
@@ -1212,7 +1212,7 @@
               <a:rPr lang="en-US" smtClean="0"/>
               <a:t>‹#›</a:t>
             </a:fld>
-            <a:endParaRPr lang="en-US"/>
+            <a:endParaRPr lang="en-US" dirty="0"/>
           </a:p>
         </p:txBody>
       </p:sp>
@@ -1413,9 +1413,9 @@
           <a:p>
             <a:fld id="{78C97017-6FC3-485B-9764-EAC9E56C1D49}" type="datetimeFigureOut">
               <a:rPr lang="en-US" smtClean="0"/>
-              <a:t>3/8/2018</a:t>
+              <a:t>3/14/2018</a:t>
             </a:fld>
-            <a:endParaRPr lang="en-US"/>
+            <a:endParaRPr lang="en-US" dirty="0"/>
           </a:p>
         </p:txBody>
       </p:sp>
@@ -1434,7 +1434,7 @@
           <a:bodyPr/>
           <a:lstStyle/>
           <a:p>
-            <a:endParaRPr lang="en-US"/>
+            <a:endParaRPr lang="en-US" dirty="0"/>
           </a:p>
         </p:txBody>
       </p:sp>
@@ -1457,7 +1457,7 @@
               <a:rPr lang="en-US" smtClean="0"/>
               <a:t>‹#›</a:t>
             </a:fld>
-            <a:endParaRPr lang="en-US"/>
+            <a:endParaRPr lang="en-US" dirty="0"/>
           </a:p>
         </p:txBody>
       </p:sp>
@@ -1698,9 +1698,9 @@
           <a:p>
             <a:fld id="{78C97017-6FC3-485B-9764-EAC9E56C1D49}" type="datetimeFigureOut">
               <a:rPr lang="en-US" smtClean="0"/>
-              <a:t>3/8/2018</a:t>
+              <a:t>3/14/2018</a:t>
             </a:fld>
-            <a:endParaRPr lang="en-US"/>
+            <a:endParaRPr lang="en-US" dirty="0"/>
           </a:p>
         </p:txBody>
       </p:sp>
@@ -1719,7 +1719,7 @@
           <a:bodyPr/>
           <a:lstStyle/>
           <a:p>
-            <a:endParaRPr lang="en-US"/>
+            <a:endParaRPr lang="en-US" dirty="0"/>
           </a:p>
         </p:txBody>
       </p:sp>
@@ -1742,7 +1742,7 @@
               <a:rPr lang="en-US" smtClean="0"/>
               <a:t>‹#›</a:t>
             </a:fld>
-            <a:endParaRPr lang="en-US"/>
+            <a:endParaRPr lang="en-US" dirty="0"/>
           </a:p>
         </p:txBody>
       </p:sp>
@@ -2117,9 +2117,9 @@
           <a:p>
             <a:fld id="{78C97017-6FC3-485B-9764-EAC9E56C1D49}" type="datetimeFigureOut">
               <a:rPr lang="en-US" smtClean="0"/>
-              <a:t>3/8/2018</a:t>
+              <a:t>3/14/2018</a:t>
             </a:fld>
-            <a:endParaRPr lang="en-US"/>
+            <a:endParaRPr lang="en-US" dirty="0"/>
           </a:p>
         </p:txBody>
       </p:sp>
@@ -2138,7 +2138,7 @@
           <a:bodyPr/>
           <a:lstStyle/>
           <a:p>
-            <a:endParaRPr lang="en-US"/>
+            <a:endParaRPr lang="en-US" dirty="0"/>
           </a:p>
         </p:txBody>
       </p:sp>
@@ -2161,7 +2161,7 @@
               <a:rPr lang="en-US" smtClean="0"/>
               <a:t>‹#›</a:t>
             </a:fld>
-            <a:endParaRPr lang="en-US"/>
+            <a:endParaRPr lang="en-US" dirty="0"/>
           </a:p>
         </p:txBody>
       </p:sp>
@@ -2234,9 +2234,9 @@
           <a:p>
             <a:fld id="{78C97017-6FC3-485B-9764-EAC9E56C1D49}" type="datetimeFigureOut">
               <a:rPr lang="en-US" smtClean="0"/>
-              <a:t>3/8/2018</a:t>
+              <a:t>3/14/2018</a:t>
             </a:fld>
-            <a:endParaRPr lang="en-US"/>
+            <a:endParaRPr lang="en-US" dirty="0"/>
           </a:p>
         </p:txBody>
       </p:sp>
@@ -2255,7 +2255,7 @@
           <a:bodyPr/>
           <a:lstStyle/>
           <a:p>
-            <a:endParaRPr lang="en-US"/>
+            <a:endParaRPr lang="en-US" dirty="0"/>
           </a:p>
         </p:txBody>
       </p:sp>
@@ -2278,7 +2278,7 @@
               <a:rPr lang="en-US" smtClean="0"/>
               <a:t>‹#›</a:t>
             </a:fld>
-            <a:endParaRPr lang="en-US"/>
+            <a:endParaRPr lang="en-US" dirty="0"/>
           </a:p>
         </p:txBody>
       </p:sp>
@@ -2329,9 +2329,9 @@
           <a:p>
             <a:fld id="{78C97017-6FC3-485B-9764-EAC9E56C1D49}" type="datetimeFigureOut">
               <a:rPr lang="en-US" smtClean="0"/>
-              <a:t>3/8/2018</a:t>
+              <a:t>3/14/2018</a:t>
             </a:fld>
-            <a:endParaRPr lang="en-US"/>
+            <a:endParaRPr lang="en-US" dirty="0"/>
           </a:p>
         </p:txBody>
       </p:sp>
@@ -2350,7 +2350,7 @@
           <a:bodyPr/>
           <a:lstStyle/>
           <a:p>
-            <a:endParaRPr lang="en-US"/>
+            <a:endParaRPr lang="en-US" dirty="0"/>
           </a:p>
         </p:txBody>
       </p:sp>
@@ -2373,7 +2373,7 @@
               <a:rPr lang="en-US" smtClean="0"/>
               <a:t>‹#›</a:t>
             </a:fld>
-            <a:endParaRPr lang="en-US"/>
+            <a:endParaRPr lang="en-US" dirty="0"/>
           </a:p>
         </p:txBody>
       </p:sp>
@@ -2604,9 +2604,9 @@
           <a:p>
             <a:fld id="{78C97017-6FC3-485B-9764-EAC9E56C1D49}" type="datetimeFigureOut">
               <a:rPr lang="en-US" smtClean="0"/>
-              <a:t>3/8/2018</a:t>
+              <a:t>3/14/2018</a:t>
             </a:fld>
-            <a:endParaRPr lang="en-US"/>
+            <a:endParaRPr lang="en-US" dirty="0"/>
           </a:p>
         </p:txBody>
       </p:sp>
@@ -2625,7 +2625,7 @@
           <a:bodyPr/>
           <a:lstStyle/>
           <a:p>
-            <a:endParaRPr lang="en-US"/>
+            <a:endParaRPr lang="en-US" dirty="0"/>
           </a:p>
         </p:txBody>
       </p:sp>
@@ -2648,7 +2648,7 @@
               <a:rPr lang="en-US" smtClean="0"/>
               <a:t>‹#›</a:t>
             </a:fld>
-            <a:endParaRPr lang="en-US"/>
+            <a:endParaRPr lang="en-US" dirty="0"/>
           </a:p>
         </p:txBody>
       </p:sp>
@@ -2770,7 +2770,7 @@
             </a:lvl9pPr>
           </a:lstStyle>
           <a:p>
-            <a:endParaRPr lang="en-US"/>
+            <a:endParaRPr lang="en-US" dirty="0"/>
           </a:p>
         </p:txBody>
       </p:sp>
@@ -2856,9 +2856,9 @@
           <a:p>
             <a:fld id="{78C97017-6FC3-485B-9764-EAC9E56C1D49}" type="datetimeFigureOut">
               <a:rPr lang="en-US" smtClean="0"/>
-              <a:t>3/8/2018</a:t>
+              <a:t>3/14/2018</a:t>
             </a:fld>
-            <a:endParaRPr lang="en-US"/>
+            <a:endParaRPr lang="en-US" dirty="0"/>
           </a:p>
         </p:txBody>
       </p:sp>
@@ -2877,7 +2877,7 @@
           <a:bodyPr/>
           <a:lstStyle/>
           <a:p>
-            <a:endParaRPr lang="en-US"/>
+            <a:endParaRPr lang="en-US" dirty="0"/>
           </a:p>
         </p:txBody>
       </p:sp>
@@ -2900,7 +2900,7 @@
               <a:rPr lang="en-US" smtClean="0"/>
               <a:t>‹#›</a:t>
             </a:fld>
-            <a:endParaRPr lang="en-US"/>
+            <a:endParaRPr lang="en-US" dirty="0"/>
           </a:p>
         </p:txBody>
       </p:sp>
@@ -3067,9 +3067,9 @@
           <a:p>
             <a:fld id="{78C97017-6FC3-485B-9764-EAC9E56C1D49}" type="datetimeFigureOut">
               <a:rPr lang="en-US" smtClean="0"/>
-              <a:t>3/8/2018</a:t>
+              <a:t>3/14/2018</a:t>
             </a:fld>
-            <a:endParaRPr lang="en-US"/>
+            <a:endParaRPr lang="en-US" dirty="0"/>
           </a:p>
         </p:txBody>
       </p:sp>
@@ -3106,7 +3106,7 @@
             </a:lvl1pPr>
           </a:lstStyle>
           <a:p>
-            <a:endParaRPr lang="en-US"/>
+            <a:endParaRPr lang="en-US" dirty="0"/>
           </a:p>
         </p:txBody>
       </p:sp>
@@ -3147,7 +3147,7 @@
               <a:rPr lang="en-US" smtClean="0"/>
               <a:t>‹#›</a:t>
             </a:fld>
-            <a:endParaRPr lang="en-US"/>
+            <a:endParaRPr lang="en-US" dirty="0"/>
           </a:p>
         </p:txBody>
       </p:sp>
@@ -3642,7 +3642,7 @@
           <a:lstStyle/>
           <a:p>
             <a:pPr algn="ctr"/>
-            <a:endParaRPr lang="en-SG" sz="1400"/>
+            <a:endParaRPr lang="en-SG" sz="1400" dirty="0"/>
           </a:p>
         </p:txBody>
       </p:sp>
@@ -3654,8 +3654,8 @@
         </p:nvSpPr>
         <p:spPr>
           <a:xfrm>
-            <a:off x="4267200" y="2179309"/>
-            <a:ext cx="1219200" cy="467684"/>
+            <a:off x="4185263" y="2179309"/>
+            <a:ext cx="1596511" cy="467684"/>
           </a:xfrm>
           <a:prstGeom prst="rect">
             <a:avLst/>
@@ -3695,7 +3695,7 @@
                   <a:schemeClr val="bg1"/>
                 </a:solidFill>
               </a:rPr>
-              <a:t>:Address</a:t>
+              <a:t>:Movie</a:t>
             </a:r>
           </a:p>
           <a:p>
@@ -3706,7 +3706,7 @@
                   <a:schemeClr val="bg1"/>
                 </a:solidFill>
               </a:rPr>
-              <a:t>BookParser</a:t>
+              <a:t>PlannerParser</a:t>
             </a:r>
             <a:endParaRPr lang="en-SG" sz="1600" dirty="0">
               <a:solidFill>
@@ -3796,7 +3796,7 @@
           <a:lstStyle/>
           <a:p>
             <a:pPr algn="ctr"/>
-            <a:endParaRPr lang="en-SG" sz="1400"/>
+            <a:endParaRPr lang="en-SG" sz="1400" dirty="0"/>
           </a:p>
         </p:txBody>
       </p:sp>
@@ -3956,7 +3956,7 @@
           <a:lstStyle/>
           <a:p>
             <a:pPr algn="ctr"/>
-            <a:endParaRPr lang="en-SG" sz="1400"/>
+            <a:endParaRPr lang="en-SG" sz="1400" dirty="0"/>
           </a:p>
         </p:txBody>
       </p:sp>
@@ -4400,7 +4400,7 @@
           <a:lstStyle/>
           <a:p>
             <a:pPr algn="ctr"/>
-            <a:endParaRPr lang="en-SG" sz="1400"/>
+            <a:endParaRPr lang="en-SG" sz="1400" dirty="0"/>
           </a:p>
         </p:txBody>
       </p:sp>
@@ -4493,7 +4493,7 @@
           <a:lstStyle/>
           <a:p>
             <a:pPr algn="ctr"/>
-            <a:endParaRPr lang="en-SG" sz="1400"/>
+            <a:endParaRPr lang="en-SG" sz="1400" dirty="0"/>
           </a:p>
         </p:txBody>
       </p:sp>
@@ -4918,7 +4918,7 @@
           <a:lstStyle/>
           <a:p>
             <a:pPr algn="ctr"/>
-            <a:endParaRPr lang="en-SG" sz="1400"/>
+            <a:endParaRPr lang="en-SG" sz="1400" dirty="0"/>
           </a:p>
         </p:txBody>
       </p:sp>
@@ -5147,7 +5147,7 @@
           <a:lstStyle/>
           <a:p>
             <a:pPr algn="ctr"/>
-            <a:endParaRPr lang="en-SG" sz="1400"/>
+            <a:endParaRPr lang="en-SG" sz="1400" dirty="0"/>
           </a:p>
         </p:txBody>
       </p:sp>
@@ -5233,7 +5233,7 @@
           <a:lstStyle/>
           <a:p>
             <a:pPr algn="ctr"/>
-            <a:endParaRPr lang="en-SG" sz="1400"/>
+            <a:endParaRPr lang="en-SG" sz="1400" dirty="0"/>
           </a:p>
         </p:txBody>
       </p:sp>
